--- a/Tutorials/Function Call Structure.pptx
+++ b/Tutorials/Function Call Structure.pptx
@@ -13292,7 +13292,7 @@
           <a:p>
             <a:fld id="{8038AE9A-C135-0D4E-BD49-88F5178AD896}" type="datetimeFigureOut">
               <a:rPr lang="en-US" smtClean="0"/>
-              <a:t>9/13/2019</a:t>
+              <a:t>9/16/2019</a:t>
             </a:fld>
             <a:endParaRPr lang="en-US"/>
           </a:p>
@@ -13460,7 +13460,7 @@
           <a:p>
             <a:fld id="{8038AE9A-C135-0D4E-BD49-88F5178AD896}" type="datetimeFigureOut">
               <a:rPr lang="en-US" smtClean="0"/>
-              <a:t>9/13/2019</a:t>
+              <a:t>9/16/2019</a:t>
             </a:fld>
             <a:endParaRPr lang="en-US"/>
           </a:p>
@@ -13638,7 +13638,7 @@
           <a:p>
             <a:fld id="{8038AE9A-C135-0D4E-BD49-88F5178AD896}" type="datetimeFigureOut">
               <a:rPr lang="en-US" smtClean="0"/>
-              <a:t>9/13/2019</a:t>
+              <a:t>9/16/2019</a:t>
             </a:fld>
             <a:endParaRPr lang="en-US"/>
           </a:p>
@@ -13806,7 +13806,7 @@
           <a:p>
             <a:fld id="{8038AE9A-C135-0D4E-BD49-88F5178AD896}" type="datetimeFigureOut">
               <a:rPr lang="en-US" smtClean="0"/>
-              <a:t>9/13/2019</a:t>
+              <a:t>9/16/2019</a:t>
             </a:fld>
             <a:endParaRPr lang="en-US"/>
           </a:p>
@@ -14051,7 +14051,7 @@
           <a:p>
             <a:fld id="{8038AE9A-C135-0D4E-BD49-88F5178AD896}" type="datetimeFigureOut">
               <a:rPr lang="en-US" smtClean="0"/>
-              <a:t>9/13/2019</a:t>
+              <a:t>9/16/2019</a:t>
             </a:fld>
             <a:endParaRPr lang="en-US"/>
           </a:p>
@@ -14336,7 +14336,7 @@
           <a:p>
             <a:fld id="{8038AE9A-C135-0D4E-BD49-88F5178AD896}" type="datetimeFigureOut">
               <a:rPr lang="en-US" smtClean="0"/>
-              <a:t>9/13/2019</a:t>
+              <a:t>9/16/2019</a:t>
             </a:fld>
             <a:endParaRPr lang="en-US"/>
           </a:p>
@@ -14755,7 +14755,7 @@
           <a:p>
             <a:fld id="{8038AE9A-C135-0D4E-BD49-88F5178AD896}" type="datetimeFigureOut">
               <a:rPr lang="en-US" smtClean="0"/>
-              <a:t>9/13/2019</a:t>
+              <a:t>9/16/2019</a:t>
             </a:fld>
             <a:endParaRPr lang="en-US"/>
           </a:p>
@@ -14872,7 +14872,7 @@
           <a:p>
             <a:fld id="{8038AE9A-C135-0D4E-BD49-88F5178AD896}" type="datetimeFigureOut">
               <a:rPr lang="en-US" smtClean="0"/>
-              <a:t>9/13/2019</a:t>
+              <a:t>9/16/2019</a:t>
             </a:fld>
             <a:endParaRPr lang="en-US"/>
           </a:p>
@@ -14967,7 +14967,7 @@
           <a:p>
             <a:fld id="{8038AE9A-C135-0D4E-BD49-88F5178AD896}" type="datetimeFigureOut">
               <a:rPr lang="en-US" smtClean="0"/>
-              <a:t>9/13/2019</a:t>
+              <a:t>9/16/2019</a:t>
             </a:fld>
             <a:endParaRPr lang="en-US"/>
           </a:p>
@@ -15242,7 +15242,7 @@
           <a:p>
             <a:fld id="{8038AE9A-C135-0D4E-BD49-88F5178AD896}" type="datetimeFigureOut">
               <a:rPr lang="en-US" smtClean="0"/>
-              <a:t>9/13/2019</a:t>
+              <a:t>9/16/2019</a:t>
             </a:fld>
             <a:endParaRPr lang="en-US"/>
           </a:p>
@@ -15494,7 +15494,7 @@
           <a:p>
             <a:fld id="{8038AE9A-C135-0D4E-BD49-88F5178AD896}" type="datetimeFigureOut">
               <a:rPr lang="en-US" smtClean="0"/>
-              <a:t>9/13/2019</a:t>
+              <a:t>9/16/2019</a:t>
             </a:fld>
             <a:endParaRPr lang="en-US"/>
           </a:p>
@@ -15705,7 +15705,7 @@
           <a:p>
             <a:fld id="{8038AE9A-C135-0D4E-BD49-88F5178AD896}" type="datetimeFigureOut">
               <a:rPr lang="en-US" smtClean="0"/>
-              <a:t>9/13/2019</a:t>
+              <a:t>9/16/2019</a:t>
             </a:fld>
             <a:endParaRPr lang="en-US"/>
           </a:p>
@@ -16460,7 +16460,7 @@
             <a:pPr algn="l"/>
             <a:r>
               <a:rPr lang="en-US" sz="3600" dirty="0"/>
-              <a:t>Bayesian Calibration - Ruby</a:t>
+              <a:t>Bayesian Calibration</a:t>
             </a:r>
           </a:p>
         </p:txBody>
